--- a/FinalPresentation.pptx
+++ b/FinalPresentation.pptx
@@ -109,6 +109,11 @@
       </a:defRPr>
     </a:lvl9pPr>
   </p:defaultTextStyle>
+  <p:extLst>
+    <p:ext uri="{EFAFB233-063F-42B5-8137-9DF3F51BA10A}">
+      <p15:sldGuideLst xmlns:p15="http://schemas.microsoft.com/office/powerpoint/2012/main"/>
+    </p:ext>
+  </p:extLst>
 </p:presentation>
 </file>
 
@@ -5692,8 +5697,8 @@
         </p:nvSpPr>
         <p:spPr>
           <a:xfrm>
-            <a:off x="3127513" y="4850296"/>
-            <a:ext cx="6109252" cy="369332"/>
+            <a:off x="2958548" y="4934634"/>
+            <a:ext cx="6274904" cy="646331"/>
           </a:xfrm>
           <a:prstGeom prst="rect">
             <a:avLst/>
@@ -5706,15 +5711,11 @@
           </a:bodyPr>
           <a:lstStyle/>
           <a:p>
+            <a:pPr algn="ctr"/>
             <a:r>
               <a:rPr lang="en-US" dirty="0"/>
-              <a:t>Description, this needs to </a:t>
-            </a:r>
-            <a:r>
-              <a:rPr lang="en-US"/>
-              <a:t>be replaced</a:t>
-            </a:r>
-            <a:endParaRPr lang="en-US" dirty="0"/>
+              <a:t>This “Bare Bones” Blackjack game will simulate the casino experience without the pressure of losing real money. </a:t>
+            </a:r>
           </a:p>
         </p:txBody>
       </p:sp>
@@ -5983,7 +5984,24 @@
           <a:bodyPr/>
           <a:lstStyle/>
           <a:p>
-            <a:endParaRPr lang="en-US"/>
+            <a:r>
+              <a:rPr lang="en-US" dirty="0">
+                <a:effectLst/>
+              </a:rPr>
+              <a:t>Starting with the player left of the dealer, each player gets to repeatedly hit (get another card) until they choose to stay (end turn) or bust (go over 21) (</a:t>
+            </a:r>
+            <a:r>
+              <a:rPr lang="en-US" dirty="0" err="1">
+                <a:effectLst/>
+              </a:rPr>
+              <a:t>PlayHand</a:t>
+            </a:r>
+            <a:r>
+              <a:rPr lang="en-US" dirty="0">
+                <a:effectLst/>
+              </a:rPr>
+              <a:t>)</a:t>
+            </a:r>
           </a:p>
         </p:txBody>
       </p:sp>
